--- a/Interactive A_ Multi layer Maze Router.pptx
+++ b/Interactive A_ Multi layer Maze Router.pptx
@@ -7113,7 +7113,7 @@
                   <a:srgbClr val="000000"/>
                 </a:solidFill>
               </a:rPr>
-              <a:t> they’re rejected, also if they’re blocked they’re ignored, if they passed from this test, they enters a new one, i compute the value of f of the passed nodes and the lowest value of f node is the chosen one. This function returns the chosen node in addition to the f value and the g value.</a:t>
+              <a:t> they’re rejected, also if they’re blocked they’re ignored, if they passed from this test, they enters a new one, i compute the value of f of the passed nodes and the lowest value of f node is the chosen one, in the computation of f vias are taken care of as their count and value are added to f when we are switching between layers. This function returns the chosen node in addition to the f value and the g value.</a:t>
             </a:r>
             <a:endParaRPr>
               <a:solidFill>
